--- a/doc/10.场外交易.pptx
+++ b/doc/10.场外交易.pptx
@@ -274,7 +274,7 @@
           <a:p>
             <a:fld id="{1B7BBEA4-24BC-4F9A-BA49-26A596A24E96}" type="datetimeFigureOut">
               <a:rPr lang="zh-CN" altLang="en-US" smtClean="0"/>
-              <a:t>2021/4/13</a:t>
+              <a:t>2021/4/14</a:t>
             </a:fld>
             <a:endParaRPr lang="zh-CN" altLang="en-US"/>
           </a:p>
@@ -472,7 +472,7 @@
           <a:p>
             <a:fld id="{1B7BBEA4-24BC-4F9A-BA49-26A596A24E96}" type="datetimeFigureOut">
               <a:rPr lang="zh-CN" altLang="en-US" smtClean="0"/>
-              <a:t>2021/4/13</a:t>
+              <a:t>2021/4/14</a:t>
             </a:fld>
             <a:endParaRPr lang="zh-CN" altLang="en-US"/>
           </a:p>
@@ -680,7 +680,7 @@
           <a:p>
             <a:fld id="{1B7BBEA4-24BC-4F9A-BA49-26A596A24E96}" type="datetimeFigureOut">
               <a:rPr lang="zh-CN" altLang="en-US" smtClean="0"/>
-              <a:t>2021/4/13</a:t>
+              <a:t>2021/4/14</a:t>
             </a:fld>
             <a:endParaRPr lang="zh-CN" altLang="en-US"/>
           </a:p>
@@ -878,7 +878,7 @@
           <a:p>
             <a:fld id="{1B7BBEA4-24BC-4F9A-BA49-26A596A24E96}" type="datetimeFigureOut">
               <a:rPr lang="zh-CN" altLang="en-US" smtClean="0"/>
-              <a:t>2021/4/13</a:t>
+              <a:t>2021/4/14</a:t>
             </a:fld>
             <a:endParaRPr lang="zh-CN" altLang="en-US"/>
           </a:p>
@@ -1153,7 +1153,7 @@
           <a:p>
             <a:fld id="{1B7BBEA4-24BC-4F9A-BA49-26A596A24E96}" type="datetimeFigureOut">
               <a:rPr lang="zh-CN" altLang="en-US" smtClean="0"/>
-              <a:t>2021/4/13</a:t>
+              <a:t>2021/4/14</a:t>
             </a:fld>
             <a:endParaRPr lang="zh-CN" altLang="en-US"/>
           </a:p>
@@ -1418,7 +1418,7 @@
           <a:p>
             <a:fld id="{1B7BBEA4-24BC-4F9A-BA49-26A596A24E96}" type="datetimeFigureOut">
               <a:rPr lang="zh-CN" altLang="en-US" smtClean="0"/>
-              <a:t>2021/4/13</a:t>
+              <a:t>2021/4/14</a:t>
             </a:fld>
             <a:endParaRPr lang="zh-CN" altLang="en-US"/>
           </a:p>
@@ -1830,7 +1830,7 @@
           <a:p>
             <a:fld id="{1B7BBEA4-24BC-4F9A-BA49-26A596A24E96}" type="datetimeFigureOut">
               <a:rPr lang="zh-CN" altLang="en-US" smtClean="0"/>
-              <a:t>2021/4/13</a:t>
+              <a:t>2021/4/14</a:t>
             </a:fld>
             <a:endParaRPr lang="zh-CN" altLang="en-US"/>
           </a:p>
@@ -1971,7 +1971,7 @@
           <a:p>
             <a:fld id="{1B7BBEA4-24BC-4F9A-BA49-26A596A24E96}" type="datetimeFigureOut">
               <a:rPr lang="zh-CN" altLang="en-US" smtClean="0"/>
-              <a:t>2021/4/13</a:t>
+              <a:t>2021/4/14</a:t>
             </a:fld>
             <a:endParaRPr lang="zh-CN" altLang="en-US"/>
           </a:p>
@@ -2084,7 +2084,7 @@
           <a:p>
             <a:fld id="{1B7BBEA4-24BC-4F9A-BA49-26A596A24E96}" type="datetimeFigureOut">
               <a:rPr lang="zh-CN" altLang="en-US" smtClean="0"/>
-              <a:t>2021/4/13</a:t>
+              <a:t>2021/4/14</a:t>
             </a:fld>
             <a:endParaRPr lang="zh-CN" altLang="en-US"/>
           </a:p>
@@ -2395,7 +2395,7 @@
           <a:p>
             <a:fld id="{1B7BBEA4-24BC-4F9A-BA49-26A596A24E96}" type="datetimeFigureOut">
               <a:rPr lang="zh-CN" altLang="en-US" smtClean="0"/>
-              <a:t>2021/4/13</a:t>
+              <a:t>2021/4/14</a:t>
             </a:fld>
             <a:endParaRPr lang="zh-CN" altLang="en-US"/>
           </a:p>
@@ -2683,7 +2683,7 @@
           <a:p>
             <a:fld id="{1B7BBEA4-24BC-4F9A-BA49-26A596A24E96}" type="datetimeFigureOut">
               <a:rPr lang="zh-CN" altLang="en-US" smtClean="0"/>
-              <a:t>2021/4/13</a:t>
+              <a:t>2021/4/14</a:t>
             </a:fld>
             <a:endParaRPr lang="zh-CN" altLang="en-US"/>
           </a:p>
@@ -2924,7 +2924,7 @@
           <a:p>
             <a:fld id="{1B7BBEA4-24BC-4F9A-BA49-26A596A24E96}" type="datetimeFigureOut">
               <a:rPr lang="zh-CN" altLang="en-US" smtClean="0"/>
-              <a:t>2021/4/13</a:t>
+              <a:t>2021/4/14</a:t>
             </a:fld>
             <a:endParaRPr lang="zh-CN" altLang="en-US"/>
           </a:p>
@@ -3482,10 +3482,10 @@
       </p:sp>
       <p:grpSp>
         <p:nvGrpSpPr>
-          <p:cNvPr id="4" name="组合 3">
-            <a:extLst>
-              <a:ext uri="{FF2B5EF4-FFF2-40B4-BE49-F238E27FC236}">
-                <a16:creationId xmlns:a16="http://schemas.microsoft.com/office/drawing/2014/main" id="{12D31011-83A8-48E3-A445-683729F5CFCA}"/>
+          <p:cNvPr id="14" name="组合 13">
+            <a:extLst>
+              <a:ext uri="{FF2B5EF4-FFF2-40B4-BE49-F238E27FC236}">
+                <a16:creationId xmlns:a16="http://schemas.microsoft.com/office/drawing/2014/main" id="{7A1885E2-DF75-435A-95AA-59385C8F122E}"/>
               </a:ext>
             </a:extLst>
           </p:cNvPr>
@@ -3494,18 +3494,18 @@
         </p:nvGrpSpPr>
         <p:grpSpPr>
           <a:xfrm>
-            <a:off x="1199043" y="1123475"/>
+            <a:off x="1199043" y="1043775"/>
             <a:ext cx="6634783" cy="369332"/>
-            <a:chOff x="2259623" y="2182542"/>
+            <a:chOff x="1199043" y="1043775"/>
             <a:chExt cx="6634783" cy="369332"/>
           </a:xfrm>
         </p:grpSpPr>
         <p:sp>
           <p:nvSpPr>
-            <p:cNvPr id="2" name="箭头: V 形 1">
+            <p:cNvPr id="15" name="箭头: V 形 14">
               <a:extLst>
                 <a:ext uri="{FF2B5EF4-FFF2-40B4-BE49-F238E27FC236}">
-                  <a16:creationId xmlns:a16="http://schemas.microsoft.com/office/drawing/2014/main" id="{A312C813-5C09-41A4-BD42-47B352CFF218}"/>
+                  <a16:creationId xmlns:a16="http://schemas.microsoft.com/office/drawing/2014/main" id="{45A29C74-9DEA-416F-9DA9-54C642684740}"/>
                 </a:ext>
               </a:extLst>
             </p:cNvPr>
@@ -3514,7 +3514,7 @@
           </p:nvSpPr>
           <p:spPr>
             <a:xfrm>
-              <a:off x="2259623" y="2277208"/>
+              <a:off x="1199043" y="1138441"/>
               <a:ext cx="324000" cy="180000"/>
             </a:xfrm>
             <a:prstGeom prst="chevron">
@@ -3552,10 +3552,10 @@
         </p:sp>
         <p:sp>
           <p:nvSpPr>
-            <p:cNvPr id="33" name="文本框 32">
+            <p:cNvPr id="16" name="文本框 15">
               <a:extLst>
                 <a:ext uri="{FF2B5EF4-FFF2-40B4-BE49-F238E27FC236}">
-                  <a16:creationId xmlns:a16="http://schemas.microsoft.com/office/drawing/2014/main" id="{DA6A0843-B96B-43C1-A646-5113A82BCB5A}"/>
+                  <a16:creationId xmlns:a16="http://schemas.microsoft.com/office/drawing/2014/main" id="{8D728E15-2679-445B-B035-89723F24E168}"/>
                 </a:ext>
               </a:extLst>
             </p:cNvPr>
@@ -3564,7 +3564,7 @@
           </p:nvSpPr>
           <p:spPr>
             <a:xfrm>
-              <a:off x="2796852" y="2182542"/>
+              <a:off x="1736272" y="1043775"/>
               <a:ext cx="6097554" cy="369332"/>
             </a:xfrm>
             <a:prstGeom prst="rect">
@@ -3592,10 +3592,10 @@
       </p:grpSp>
       <p:grpSp>
         <p:nvGrpSpPr>
-          <p:cNvPr id="66" name="组合 65">
-            <a:extLst>
-              <a:ext uri="{FF2B5EF4-FFF2-40B4-BE49-F238E27FC236}">
-                <a16:creationId xmlns:a16="http://schemas.microsoft.com/office/drawing/2014/main" id="{B5049300-E4FE-47E7-BF55-6FDDCA2DA854}"/>
+          <p:cNvPr id="17" name="组合 16">
+            <a:extLst>
+              <a:ext uri="{FF2B5EF4-FFF2-40B4-BE49-F238E27FC236}">
+                <a16:creationId xmlns:a16="http://schemas.microsoft.com/office/drawing/2014/main" id="{43C93393-C716-4DA6-B202-C745E3515B91}"/>
               </a:ext>
             </a:extLst>
           </p:cNvPr>
@@ -3604,18 +3604,57 @@
         </p:nvGrpSpPr>
         <p:grpSpPr>
           <a:xfrm>
-            <a:off x="1199043" y="1561794"/>
-            <a:ext cx="6634783" cy="369332"/>
-            <a:chOff x="2259623" y="2182542"/>
-            <a:chExt cx="6634783" cy="369332"/>
+            <a:off x="1628272" y="1548091"/>
+            <a:ext cx="6485472" cy="369332"/>
+            <a:chOff x="1628272" y="1548091"/>
+            <a:chExt cx="6485472" cy="369332"/>
           </a:xfrm>
         </p:grpSpPr>
         <p:sp>
           <p:nvSpPr>
-            <p:cNvPr id="67" name="箭头: V 形 66">
+            <p:cNvPr id="18" name="文本框 17">
               <a:extLst>
                 <a:ext uri="{FF2B5EF4-FFF2-40B4-BE49-F238E27FC236}">
-                  <a16:creationId xmlns:a16="http://schemas.microsoft.com/office/drawing/2014/main" id="{53E611AC-53D4-4567-83B4-7DC54F6FCCBF}"/>
+                  <a16:creationId xmlns:a16="http://schemas.microsoft.com/office/drawing/2014/main" id="{10A23C5F-160E-4D7C-B569-9AF91536965E}"/>
+                </a:ext>
+              </a:extLst>
+            </p:cNvPr>
+            <p:cNvSpPr txBox="1"/>
+            <p:nvPr/>
+          </p:nvSpPr>
+          <p:spPr>
+            <a:xfrm>
+              <a:off x="2016190" y="1548091"/>
+              <a:ext cx="6097554" cy="369332"/>
+            </a:xfrm>
+            <a:prstGeom prst="rect">
+              <a:avLst/>
+            </a:prstGeom>
+            <a:noFill/>
+          </p:spPr>
+          <p:txBody>
+            <a:bodyPr wrap="square">
+              <a:spAutoFit/>
+            </a:bodyPr>
+            <a:lstStyle/>
+            <a:p>
+              <a:r>
+                <a:rPr lang="zh-CN" altLang="en-US" b="1">
+                  <a:latin typeface="Consolas" panose="020B0609020204030204" pitchFamily="49" charset="0"/>
+                  <a:ea typeface="微软雅黑" panose="020B0503020204020204" pitchFamily="34" charset="-122"/>
+                </a:rPr>
+                <a:t>抵押表结构</a:t>
+              </a:r>
+              <a:endParaRPr lang="zh-CN" altLang="en-US"/>
+            </a:p>
+          </p:txBody>
+        </p:sp>
+        <p:sp>
+          <p:nvSpPr>
+            <p:cNvPr id="19" name="菱形 18">
+              <a:extLst>
+                <a:ext uri="{FF2B5EF4-FFF2-40B4-BE49-F238E27FC236}">
+                  <a16:creationId xmlns:a16="http://schemas.microsoft.com/office/drawing/2014/main" id="{55A997CC-8746-4F96-8C91-BDB13AE0B88E}"/>
                 </a:ext>
               </a:extLst>
             </p:cNvPr>
@@ -3624,7 +3663,74 @@
           </p:nvSpPr>
           <p:spPr>
             <a:xfrm>
-              <a:off x="2259623" y="2277208"/>
+              <a:off x="1628272" y="1624757"/>
+              <a:ext cx="216000" cy="216000"/>
+            </a:xfrm>
+            <a:prstGeom prst="diamond">
+              <a:avLst/>
+            </a:prstGeom>
+          </p:spPr>
+          <p:style>
+            <a:lnRef idx="2">
+              <a:schemeClr val="accent1">
+                <a:shade val="50000"/>
+              </a:schemeClr>
+            </a:lnRef>
+            <a:fillRef idx="1">
+              <a:schemeClr val="accent1"/>
+            </a:fillRef>
+            <a:effectRef idx="0">
+              <a:schemeClr val="accent1"/>
+            </a:effectRef>
+            <a:fontRef idx="minor">
+              <a:schemeClr val="lt1"/>
+            </a:fontRef>
+          </p:style>
+          <p:txBody>
+            <a:bodyPr rtlCol="0" anchor="ctr"/>
+            <a:lstStyle/>
+            <a:p>
+              <a:pPr algn="ctr"/>
+              <a:endParaRPr lang="zh-CN" altLang="en-US"/>
+            </a:p>
+          </p:txBody>
+        </p:sp>
+      </p:grpSp>
+      <p:grpSp>
+        <p:nvGrpSpPr>
+          <p:cNvPr id="20" name="组合 19">
+            <a:extLst>
+              <a:ext uri="{FF2B5EF4-FFF2-40B4-BE49-F238E27FC236}">
+                <a16:creationId xmlns:a16="http://schemas.microsoft.com/office/drawing/2014/main" id="{62495676-7A25-4F2B-A164-BBF834EC84E5}"/>
+              </a:ext>
+            </a:extLst>
+          </p:cNvPr>
+          <p:cNvGrpSpPr/>
+          <p:nvPr/>
+        </p:nvGrpSpPr>
+        <p:grpSpPr>
+          <a:xfrm>
+            <a:off x="1199043" y="2306796"/>
+            <a:ext cx="6634783" cy="369332"/>
+            <a:chOff x="1199043" y="4720702"/>
+            <a:chExt cx="6634783" cy="369332"/>
+          </a:xfrm>
+        </p:grpSpPr>
+        <p:sp>
+          <p:nvSpPr>
+            <p:cNvPr id="21" name="箭头: V 形 20">
+              <a:extLst>
+                <a:ext uri="{FF2B5EF4-FFF2-40B4-BE49-F238E27FC236}">
+                  <a16:creationId xmlns:a16="http://schemas.microsoft.com/office/drawing/2014/main" id="{CC6A85EE-B407-4739-A150-3233F9CCB954}"/>
+                </a:ext>
+              </a:extLst>
+            </p:cNvPr>
+            <p:cNvSpPr/>
+            <p:nvPr/>
+          </p:nvSpPr>
+          <p:spPr>
+            <a:xfrm>
+              <a:off x="1199043" y="4815368"/>
               <a:ext cx="324000" cy="180000"/>
             </a:xfrm>
             <a:prstGeom prst="chevron">
@@ -3662,10 +3768,10 @@
         </p:sp>
         <p:sp>
           <p:nvSpPr>
-            <p:cNvPr id="68" name="文本框 67">
+            <p:cNvPr id="22" name="文本框 21">
               <a:extLst>
                 <a:ext uri="{FF2B5EF4-FFF2-40B4-BE49-F238E27FC236}">
-                  <a16:creationId xmlns:a16="http://schemas.microsoft.com/office/drawing/2014/main" id="{9D8DB7C7-F8A6-49B7-996B-4513FDDD26B5}"/>
+                  <a16:creationId xmlns:a16="http://schemas.microsoft.com/office/drawing/2014/main" id="{6B9B3BCD-6316-4BEC-96B3-2D63EB0D05E1}"/>
                 </a:ext>
               </a:extLst>
             </p:cNvPr>
@@ -3674,7 +3780,70 @@
           </p:nvSpPr>
           <p:spPr>
             <a:xfrm>
-              <a:off x="2796852" y="2182542"/>
+              <a:off x="1736272" y="4720702"/>
+              <a:ext cx="6097554" cy="369332"/>
+            </a:xfrm>
+            <a:prstGeom prst="rect">
+              <a:avLst/>
+            </a:prstGeom>
+            <a:noFill/>
+          </p:spPr>
+          <p:txBody>
+            <a:bodyPr wrap="square">
+              <a:spAutoFit/>
+            </a:bodyPr>
+            <a:lstStyle/>
+            <a:p>
+              <a:r>
+                <a:rPr lang="zh-CN" altLang="en-US" b="1">
+                  <a:latin typeface="Consolas" panose="020B0609020204030204" pitchFamily="49" charset="0"/>
+                  <a:ea typeface="微软雅黑" panose="020B0503020204020204" pitchFamily="34" charset="-122"/>
+                </a:rPr>
+                <a:t>流程及接口</a:t>
+              </a:r>
+              <a:endParaRPr lang="zh-CN" altLang="en-US" sz="1800" b="1">
+                <a:latin typeface="Consolas" panose="020B0609020204030204" pitchFamily="49" charset="0"/>
+                <a:ea typeface="微软雅黑" panose="020B0503020204020204" pitchFamily="34" charset="-122"/>
+              </a:endParaRPr>
+            </a:p>
+          </p:txBody>
+        </p:sp>
+      </p:grpSp>
+      <p:grpSp>
+        <p:nvGrpSpPr>
+          <p:cNvPr id="23" name="组合 22">
+            <a:extLst>
+              <a:ext uri="{FF2B5EF4-FFF2-40B4-BE49-F238E27FC236}">
+                <a16:creationId xmlns:a16="http://schemas.microsoft.com/office/drawing/2014/main" id="{06A31F7E-377C-47FC-BDA0-27741B38F492}"/>
+              </a:ext>
+            </a:extLst>
+          </p:cNvPr>
+          <p:cNvGrpSpPr/>
+          <p:nvPr/>
+        </p:nvGrpSpPr>
+        <p:grpSpPr>
+          <a:xfrm>
+            <a:off x="1628272" y="2824368"/>
+            <a:ext cx="6485472" cy="369332"/>
+            <a:chOff x="1628272" y="3360729"/>
+            <a:chExt cx="6485472" cy="369332"/>
+          </a:xfrm>
+        </p:grpSpPr>
+        <p:sp>
+          <p:nvSpPr>
+            <p:cNvPr id="24" name="文本框 23">
+              <a:extLst>
+                <a:ext uri="{FF2B5EF4-FFF2-40B4-BE49-F238E27FC236}">
+                  <a16:creationId xmlns:a16="http://schemas.microsoft.com/office/drawing/2014/main" id="{5E38DC04-D427-46D4-9B30-A03676F950AB}"/>
+                </a:ext>
+              </a:extLst>
+            </p:cNvPr>
+            <p:cNvSpPr txBox="1"/>
+            <p:nvPr/>
+          </p:nvSpPr>
+          <p:spPr>
+            <a:xfrm>
+              <a:off x="2016190" y="3360729"/>
               <a:ext cx="6097554" cy="369332"/>
             </a:xfrm>
             <a:prstGeom prst="rect">
@@ -3699,33 +3868,12 @@
             </a:p>
           </p:txBody>
         </p:sp>
-      </p:grpSp>
-      <p:grpSp>
-        <p:nvGrpSpPr>
-          <p:cNvPr id="47" name="组合 46">
-            <a:extLst>
-              <a:ext uri="{FF2B5EF4-FFF2-40B4-BE49-F238E27FC236}">
-                <a16:creationId xmlns:a16="http://schemas.microsoft.com/office/drawing/2014/main" id="{087051EF-197E-4F41-BAEF-34AE380F8F68}"/>
-              </a:ext>
-            </a:extLst>
-          </p:cNvPr>
-          <p:cNvGrpSpPr/>
-          <p:nvPr/>
-        </p:nvGrpSpPr>
-        <p:grpSpPr>
-          <a:xfrm>
-            <a:off x="1199043" y="2028216"/>
-            <a:ext cx="6634783" cy="369332"/>
-            <a:chOff x="2259623" y="2182542"/>
-            <a:chExt cx="6634783" cy="369332"/>
-          </a:xfrm>
-        </p:grpSpPr>
         <p:sp>
           <p:nvSpPr>
-            <p:cNvPr id="48" name="箭头: V 形 47">
+            <p:cNvPr id="25" name="菱形 24">
               <a:extLst>
                 <a:ext uri="{FF2B5EF4-FFF2-40B4-BE49-F238E27FC236}">
-                  <a16:creationId xmlns:a16="http://schemas.microsoft.com/office/drawing/2014/main" id="{D15B3FF1-093E-4E99-B00E-1B2621B80CFF}"/>
+                  <a16:creationId xmlns:a16="http://schemas.microsoft.com/office/drawing/2014/main" id="{A225ACB3-A9D6-4E32-9C40-B66B47124720}"/>
                 </a:ext>
               </a:extLst>
             </p:cNvPr>
@@ -3734,10 +3882,10 @@
           </p:nvSpPr>
           <p:spPr>
             <a:xfrm>
-              <a:off x="2259623" y="2277208"/>
-              <a:ext cx="324000" cy="180000"/>
+              <a:off x="1628272" y="3437395"/>
+              <a:ext cx="216000" cy="216000"/>
             </a:xfrm>
-            <a:prstGeom prst="chevron">
+            <a:prstGeom prst="diamond">
               <a:avLst/>
             </a:prstGeom>
           </p:spPr>
@@ -3762,20 +3910,37 @@
             <a:lstStyle/>
             <a:p>
               <a:pPr algn="ctr"/>
-              <a:endParaRPr lang="zh-CN" altLang="en-US">
-                <a:solidFill>
-                  <a:schemeClr val="tx1"/>
-                </a:solidFill>
-              </a:endParaRPr>
+              <a:endParaRPr lang="zh-CN" altLang="en-US"/>
             </a:p>
           </p:txBody>
         </p:sp>
+      </p:grpSp>
+      <p:grpSp>
+        <p:nvGrpSpPr>
+          <p:cNvPr id="26" name="组合 25">
+            <a:extLst>
+              <a:ext uri="{FF2B5EF4-FFF2-40B4-BE49-F238E27FC236}">
+                <a16:creationId xmlns:a16="http://schemas.microsoft.com/office/drawing/2014/main" id="{26D200A2-80DF-42EC-A0C1-E3974501D1E0}"/>
+              </a:ext>
+            </a:extLst>
+          </p:cNvPr>
+          <p:cNvGrpSpPr/>
+          <p:nvPr/>
+        </p:nvGrpSpPr>
+        <p:grpSpPr>
+          <a:xfrm>
+            <a:off x="1628272" y="3248874"/>
+            <a:ext cx="6485472" cy="369332"/>
+            <a:chOff x="1628272" y="3689578"/>
+            <a:chExt cx="6485472" cy="369332"/>
+          </a:xfrm>
+        </p:grpSpPr>
         <p:sp>
           <p:nvSpPr>
-            <p:cNvPr id="49" name="文本框 48">
+            <p:cNvPr id="27" name="文本框 26">
               <a:extLst>
                 <a:ext uri="{FF2B5EF4-FFF2-40B4-BE49-F238E27FC236}">
-                  <a16:creationId xmlns:a16="http://schemas.microsoft.com/office/drawing/2014/main" id="{87A7FD92-781E-446E-8D63-0C1C0E44C71D}"/>
+                  <a16:creationId xmlns:a16="http://schemas.microsoft.com/office/drawing/2014/main" id="{9E0CD559-6641-4563-8DDD-BBB0BB087012}"/>
                 </a:ext>
               </a:extLst>
             </p:cNvPr>
@@ -3784,7 +3949,7 @@
           </p:nvSpPr>
           <p:spPr>
             <a:xfrm>
-              <a:off x="2796852" y="2182542"/>
+              <a:off x="2016190" y="3689578"/>
               <a:ext cx="6097554" cy="369332"/>
             </a:xfrm>
             <a:prstGeom prst="rect">
@@ -3805,6 +3970,52 @@
                 </a:rPr>
                 <a:t>卖家赎回流程</a:t>
               </a:r>
+              <a:endParaRPr lang="zh-CN" altLang="en-US"/>
+            </a:p>
+          </p:txBody>
+        </p:sp>
+        <p:sp>
+          <p:nvSpPr>
+            <p:cNvPr id="28" name="菱形 27">
+              <a:extLst>
+                <a:ext uri="{FF2B5EF4-FFF2-40B4-BE49-F238E27FC236}">
+                  <a16:creationId xmlns:a16="http://schemas.microsoft.com/office/drawing/2014/main" id="{67217B3D-DD83-4C1B-8BA1-8475D074D077}"/>
+                </a:ext>
+              </a:extLst>
+            </p:cNvPr>
+            <p:cNvSpPr/>
+            <p:nvPr/>
+          </p:nvSpPr>
+          <p:spPr>
+            <a:xfrm>
+              <a:off x="1628272" y="3766244"/>
+              <a:ext cx="216000" cy="216000"/>
+            </a:xfrm>
+            <a:prstGeom prst="diamond">
+              <a:avLst/>
+            </a:prstGeom>
+          </p:spPr>
+          <p:style>
+            <a:lnRef idx="2">
+              <a:schemeClr val="accent1">
+                <a:shade val="50000"/>
+              </a:schemeClr>
+            </a:lnRef>
+            <a:fillRef idx="1">
+              <a:schemeClr val="accent1"/>
+            </a:fillRef>
+            <a:effectRef idx="0">
+              <a:schemeClr val="accent1"/>
+            </a:effectRef>
+            <a:fontRef idx="minor">
+              <a:schemeClr val="lt1"/>
+            </a:fontRef>
+          </p:style>
+          <p:txBody>
+            <a:bodyPr rtlCol="0" anchor="ctr"/>
+            <a:lstStyle/>
+            <a:p>
+              <a:pPr algn="ctr"/>
               <a:endParaRPr lang="zh-CN" altLang="en-US"/>
             </a:p>
           </p:txBody>
@@ -3956,7 +4167,7 @@
         <p:spPr>
           <a:xfrm>
             <a:off x="712379" y="173975"/>
-            <a:ext cx="1415772" cy="584775"/>
+            <a:ext cx="2236510" cy="584775"/>
           </a:xfrm>
           <a:prstGeom prst="rect">
             <a:avLst/>
@@ -3974,7 +4185,7 @@
                 <a:latin typeface="Consolas" panose="020B0609020204030204" pitchFamily="49" charset="0"/>
                 <a:ea typeface="微软雅黑" panose="020B0503020204020204" pitchFamily="34" charset="-122"/>
               </a:rPr>
-              <a:t>表结构</a:t>
+              <a:t>抵押表结构</a:t>
             </a:r>
           </a:p>
         </p:txBody>
